--- a/documents/proposal/20191010 - Presentation.pptx
+++ b/documents/proposal/20191010 - Presentation.pptx
@@ -34,13 +34,6 @@
       <p:font typeface="Calibri Light" panose="020F0302020204030204" pitchFamily="34" charset="0"/>
       <p:regular r:id="rId18"/>
       <p:italic r:id="rId19"/>
-    </p:embeddedFont>
-    <p:embeddedFont>
-      <p:font typeface="Lato" panose="020B0604020202020204" charset="0"/>
-      <p:regular r:id="rId20"/>
-      <p:bold r:id="rId21"/>
-      <p:italic r:id="rId22"/>
-      <p:boldItalic r:id="rId23"/>
     </p:embeddedFont>
   </p:embeddedFontLst>
   <p:defaultTextStyle>
@@ -7572,8 +7565,8 @@
         </p:nvSpPr>
         <p:spPr>
           <a:xfrm>
-            <a:off x="1297525" y="1567550"/>
-            <a:ext cx="3656100" cy="2911200"/>
+            <a:off x="867052" y="2062752"/>
+            <a:ext cx="3656100" cy="1772899"/>
           </a:xfrm>
           <a:prstGeom prst="rect">
             <a:avLst/>
@@ -7596,12 +7589,8 @@
               <a:buAutoNum type="arabicPeriod"/>
             </a:pPr>
             <a:r>
-              <a:rPr lang="en-GB" sz="1400"/>
-              <a:t>End device (with weight sensor) sends data to Edge device (middle layer) via IoT protocol. </a:t>
-            </a:r>
-            <a:r>
               <a:rPr lang="en-GB" sz="1400" dirty="0"/>
-              <a:t>Zigbee is being considered. </a:t>
+              <a:t>End device (with weight sensor) sends data to Edge device (middle layer) via IoT protocol. Zigbee is being considered. </a:t>
             </a:r>
             <a:endParaRPr sz="1400" dirty="0"/>
           </a:p>
@@ -7651,10 +7640,10 @@
       </p:sp>
       <p:grpSp>
         <p:nvGrpSpPr>
-          <p:cNvPr id="2" name="Group 1">
+          <p:cNvPr id="40" name="Group 39">
             <a:extLst>
               <a:ext uri="{FF2B5EF4-FFF2-40B4-BE49-F238E27FC236}">
-                <a16:creationId xmlns:a16="http://schemas.microsoft.com/office/drawing/2014/main" id="{509848CF-6B7D-43F5-88B5-DAA654CD7AC5}"/>
+                <a16:creationId xmlns:a16="http://schemas.microsoft.com/office/drawing/2014/main" id="{BA55389B-94EE-4C3D-B209-1D0BABA078A3}"/>
               </a:ext>
             </a:extLst>
           </p:cNvPr>
@@ -7663,156 +7652,12 @@
         </p:nvGrpSpPr>
         <p:grpSpPr>
           <a:xfrm>
-            <a:off x="5107800" y="914100"/>
-            <a:ext cx="3917517" cy="3649800"/>
-            <a:chOff x="5107800" y="914100"/>
-            <a:chExt cx="3917517" cy="3649800"/>
+            <a:off x="4510586" y="299597"/>
+            <a:ext cx="3868570" cy="3875734"/>
+            <a:chOff x="4510586" y="299597"/>
+            <a:chExt cx="3868570" cy="3875734"/>
           </a:xfrm>
         </p:grpSpPr>
-        <p:sp>
-          <p:nvSpPr>
-            <p:cNvPr id="166" name="Google Shape;166;p18"/>
-            <p:cNvSpPr/>
-            <p:nvPr/>
-          </p:nvSpPr>
-          <p:spPr>
-            <a:xfrm>
-              <a:off x="5107800" y="3253725"/>
-              <a:ext cx="1167600" cy="685788"/>
-            </a:xfrm>
-            <a:prstGeom prst="roundRect">
-              <a:avLst>
-                <a:gd name="adj" fmla="val 16667"/>
-              </a:avLst>
-            </a:prstGeom>
-            <a:solidFill>
-              <a:schemeClr val="lt2"/>
-            </a:solidFill>
-            <a:ln w="9525" cap="flat" cmpd="sng">
-              <a:solidFill>
-                <a:schemeClr val="dk2"/>
-              </a:solidFill>
-              <a:prstDash val="solid"/>
-              <a:round/>
-              <a:headEnd type="none" w="sm" len="sm"/>
-              <a:tailEnd type="none" w="sm" len="sm"/>
-            </a:ln>
-          </p:spPr>
-          <p:txBody>
-            <a:bodyPr spcFirstLastPara="1" wrap="square" lIns="91425" tIns="91425" rIns="91425" bIns="91425" anchor="ctr" anchorCtr="0">
-              <a:noAutofit/>
-            </a:bodyPr>
-            <a:lstStyle/>
-            <a:p>
-              <a:pPr marL="0" lvl="0" indent="0" algn="l" rtl="0">
-                <a:spcBef>
-                  <a:spcPts val="0"/>
-                </a:spcBef>
-                <a:spcAft>
-                  <a:spcPts val="0"/>
-                </a:spcAft>
-                <a:buNone/>
-              </a:pPr>
-              <a:endParaRPr/>
-            </a:p>
-          </p:txBody>
-        </p:sp>
-        <p:sp>
-          <p:nvSpPr>
-            <p:cNvPr id="167" name="Google Shape;167;p18"/>
-            <p:cNvSpPr/>
-            <p:nvPr/>
-          </p:nvSpPr>
-          <p:spPr>
-            <a:xfrm>
-              <a:off x="6429570" y="3253713"/>
-              <a:ext cx="1167600" cy="685800"/>
-            </a:xfrm>
-            <a:prstGeom prst="roundRect">
-              <a:avLst>
-                <a:gd name="adj" fmla="val 16667"/>
-              </a:avLst>
-            </a:prstGeom>
-            <a:solidFill>
-              <a:schemeClr val="lt2"/>
-            </a:solidFill>
-            <a:ln w="9525" cap="flat" cmpd="sng">
-              <a:solidFill>
-                <a:schemeClr val="dk2"/>
-              </a:solidFill>
-              <a:prstDash val="solid"/>
-              <a:round/>
-              <a:headEnd type="none" w="sm" len="sm"/>
-              <a:tailEnd type="none" w="sm" len="sm"/>
-            </a:ln>
-          </p:spPr>
-          <p:txBody>
-            <a:bodyPr spcFirstLastPara="1" wrap="square" lIns="91425" tIns="91425" rIns="91425" bIns="91425" anchor="ctr" anchorCtr="0">
-              <a:noAutofit/>
-            </a:bodyPr>
-            <a:lstStyle/>
-            <a:p>
-              <a:pPr marL="0" lvl="0" indent="0" algn="l" rtl="0">
-                <a:spcBef>
-                  <a:spcPts val="0"/>
-                </a:spcBef>
-                <a:spcAft>
-                  <a:spcPts val="0"/>
-                </a:spcAft>
-                <a:buNone/>
-              </a:pPr>
-              <a:endParaRPr/>
-            </a:p>
-          </p:txBody>
-        </p:sp>
-        <p:sp>
-          <p:nvSpPr>
-            <p:cNvPr id="168" name="Google Shape;168;p18"/>
-            <p:cNvSpPr/>
-            <p:nvPr/>
-          </p:nvSpPr>
-          <p:spPr>
-            <a:xfrm>
-              <a:off x="7727770" y="3253725"/>
-              <a:ext cx="1167600" cy="730200"/>
-            </a:xfrm>
-            <a:prstGeom prst="roundRect">
-              <a:avLst>
-                <a:gd name="adj" fmla="val 16667"/>
-              </a:avLst>
-            </a:prstGeom>
-            <a:solidFill>
-              <a:schemeClr val="lt2"/>
-            </a:solidFill>
-            <a:ln w="9525" cap="flat" cmpd="sng">
-              <a:solidFill>
-                <a:schemeClr val="dk2"/>
-              </a:solidFill>
-              <a:prstDash val="solid"/>
-              <a:round/>
-              <a:headEnd type="none" w="sm" len="sm"/>
-              <a:tailEnd type="none" w="sm" len="sm"/>
-            </a:ln>
-          </p:spPr>
-          <p:txBody>
-            <a:bodyPr spcFirstLastPara="1" wrap="square" lIns="91425" tIns="91425" rIns="91425" bIns="91425" anchor="ctr" anchorCtr="0">
-              <a:noAutofit/>
-            </a:bodyPr>
-            <a:lstStyle/>
-            <a:p>
-              <a:pPr marL="0" lvl="0" indent="0" algn="l" rtl="0">
-                <a:spcBef>
-                  <a:spcPts val="0"/>
-                </a:spcBef>
-                <a:spcAft>
-                  <a:spcPts val="0"/>
-                </a:spcAft>
-                <a:buNone/>
-              </a:pPr>
-              <a:endParaRPr/>
-            </a:p>
-          </p:txBody>
-        </p:sp>
         <p:sp>
           <p:nvSpPr>
             <p:cNvPr id="169" name="Google Shape;169;p18"/>
@@ -7821,8 +7666,8 @@
           </p:nvSpPr>
           <p:spPr>
             <a:xfrm>
-              <a:off x="5454489" y="1979725"/>
-              <a:ext cx="3082454" cy="730200"/>
+              <a:off x="5000525" y="1344158"/>
+              <a:ext cx="2829601" cy="730200"/>
             </a:xfrm>
             <a:prstGeom prst="roundRect">
               <a:avLst>
@@ -7858,166 +7703,10 @@
                 <a:buNone/>
               </a:pPr>
               <a:r>
-                <a:rPr lang="en-GB" dirty="0"/>
+                <a:rPr lang="en-GB" sz="1600" dirty="0"/>
                 <a:t>Data abstraction middle layer </a:t>
               </a:r>
-              <a:endParaRPr dirty="0"/>
-            </a:p>
-          </p:txBody>
-        </p:sp>
-        <p:sp>
-          <p:nvSpPr>
-            <p:cNvPr id="170" name="Google Shape;170;p18"/>
-            <p:cNvSpPr txBox="1"/>
-            <p:nvPr/>
-          </p:nvSpPr>
-          <p:spPr>
-            <a:xfrm>
-              <a:off x="5213061" y="4254000"/>
-              <a:ext cx="1167600" cy="309900"/>
-            </a:xfrm>
-            <a:prstGeom prst="rect">
-              <a:avLst/>
-            </a:prstGeom>
-            <a:noFill/>
-            <a:ln>
-              <a:noFill/>
-            </a:ln>
-          </p:spPr>
-          <p:txBody>
-            <a:bodyPr spcFirstLastPara="1" wrap="square" lIns="91425" tIns="91425" rIns="91425" bIns="91425" anchor="t" anchorCtr="0">
-              <a:noAutofit/>
-            </a:bodyPr>
-            <a:lstStyle/>
-            <a:p>
-              <a:pPr marL="0" lvl="0" indent="0" algn="l" rtl="0">
-                <a:spcBef>
-                  <a:spcPts val="0"/>
-                </a:spcBef>
-                <a:spcAft>
-                  <a:spcPts val="0"/>
-                </a:spcAft>
-                <a:buNone/>
-              </a:pPr>
-              <a:r>
-                <a:rPr lang="en-GB" sz="1400" dirty="0">
-                  <a:latin typeface="Lato"/>
-                  <a:ea typeface="Lato"/>
-                  <a:cs typeface="Lato"/>
-                  <a:sym typeface="Lato"/>
-                </a:rPr>
-                <a:t>Container 1</a:t>
-              </a:r>
-              <a:endParaRPr sz="1400" dirty="0">
-                <a:latin typeface="Lato"/>
-                <a:ea typeface="Lato"/>
-                <a:cs typeface="Lato"/>
-                <a:sym typeface="Lato"/>
-              </a:endParaRPr>
-            </a:p>
-          </p:txBody>
-        </p:sp>
-        <p:sp>
-          <p:nvSpPr>
-            <p:cNvPr id="171" name="Google Shape;171;p18"/>
-            <p:cNvSpPr txBox="1"/>
-            <p:nvPr/>
-          </p:nvSpPr>
-          <p:spPr>
-            <a:xfrm>
-              <a:off x="6380422" y="4254000"/>
-              <a:ext cx="1167600" cy="309900"/>
-            </a:xfrm>
-            <a:prstGeom prst="rect">
-              <a:avLst/>
-            </a:prstGeom>
-            <a:noFill/>
-            <a:ln>
-              <a:noFill/>
-            </a:ln>
-          </p:spPr>
-          <p:txBody>
-            <a:bodyPr spcFirstLastPara="1" wrap="square" lIns="91425" tIns="91425" rIns="91425" bIns="91425" anchor="t" anchorCtr="0">
-              <a:noAutofit/>
-            </a:bodyPr>
-            <a:lstStyle/>
-            <a:p>
-              <a:pPr marL="0" lvl="0" indent="0" algn="l" rtl="0">
-                <a:spcBef>
-                  <a:spcPts val="0"/>
-                </a:spcBef>
-                <a:spcAft>
-                  <a:spcPts val="0"/>
-                </a:spcAft>
-                <a:buNone/>
-              </a:pPr>
-              <a:r>
-                <a:rPr lang="en-GB" sz="1400">
-                  <a:latin typeface="Lato"/>
-                  <a:ea typeface="Lato"/>
-                  <a:cs typeface="Lato"/>
-                  <a:sym typeface="Lato"/>
-                </a:rPr>
-                <a:t>Container 2</a:t>
-              </a:r>
-              <a:endParaRPr sz="1400">
-                <a:latin typeface="Lato"/>
-                <a:ea typeface="Lato"/>
-                <a:cs typeface="Lato"/>
-                <a:sym typeface="Lato"/>
-              </a:endParaRPr>
-            </a:p>
-          </p:txBody>
-        </p:sp>
-        <p:sp>
-          <p:nvSpPr>
-            <p:cNvPr id="172" name="Google Shape;172;p18"/>
-            <p:cNvSpPr txBox="1"/>
-            <p:nvPr/>
-          </p:nvSpPr>
-          <p:spPr>
-            <a:xfrm>
-              <a:off x="7857717" y="4254000"/>
-              <a:ext cx="1167600" cy="309900"/>
-            </a:xfrm>
-            <a:prstGeom prst="rect">
-              <a:avLst/>
-            </a:prstGeom>
-            <a:noFill/>
-            <a:ln>
-              <a:noFill/>
-            </a:ln>
-          </p:spPr>
-          <p:txBody>
-            <a:bodyPr spcFirstLastPara="1" wrap="square" lIns="91425" tIns="91425" rIns="91425" bIns="91425" anchor="t" anchorCtr="0">
-              <a:noAutofit/>
-            </a:bodyPr>
-            <a:lstStyle/>
-            <a:p>
-              <a:pPr marL="0" lvl="0" indent="0" algn="l" rtl="0">
-                <a:spcBef>
-                  <a:spcPts val="0"/>
-                </a:spcBef>
-                <a:spcAft>
-                  <a:spcPts val="0"/>
-                </a:spcAft>
-                <a:buNone/>
-              </a:pPr>
-              <a:r>
-                <a:rPr lang="en-GB" sz="1400" dirty="0">
-                  <a:latin typeface="Lato"/>
-                  <a:ea typeface="Lato"/>
-                  <a:cs typeface="Lato"/>
-                  <a:sym typeface="Lato"/>
-                </a:rPr>
-                <a:t>Container 3</a:t>
-              </a:r>
-              <a:endParaRPr sz="1400" dirty="0">
-                <a:latin typeface="Lato"/>
-                <a:ea typeface="Lato"/>
-                <a:cs typeface="Lato"/>
-                <a:sym typeface="Lato"/>
-              </a:endParaRPr>
+              <a:endParaRPr sz="1600" dirty="0"/>
             </a:p>
           </p:txBody>
         </p:sp>
@@ -8029,7 +7718,7 @@
           </p:nvSpPr>
           <p:spPr>
             <a:xfrm>
-              <a:off x="5454489" y="914100"/>
+              <a:off x="4995794" y="299597"/>
               <a:ext cx="2829600" cy="730200"/>
             </a:xfrm>
             <a:prstGeom prst="roundRect">
@@ -8073,20 +7762,268 @@
             </a:p>
           </p:txBody>
         </p:sp>
+        <p:cxnSp>
+          <p:nvCxnSpPr>
+            <p:cNvPr id="186" name="Google Shape;186;p18"/>
+            <p:cNvCxnSpPr>
+              <a:cxnSpLocks/>
+              <a:stCxn id="166" idx="0"/>
+            </p:cNvCxnSpPr>
+            <p:nvPr/>
+          </p:nvCxnSpPr>
+          <p:spPr>
+            <a:xfrm flipV="1">
+              <a:off x="5094386" y="2071308"/>
+              <a:ext cx="1029771" cy="1103748"/>
+            </a:xfrm>
+            <a:prstGeom prst="straightConnector1">
+              <a:avLst/>
+            </a:prstGeom>
+            <a:noFill/>
+            <a:ln w="28575" cap="flat" cmpd="sng">
+              <a:solidFill>
+                <a:schemeClr val="dk2"/>
+              </a:solidFill>
+              <a:prstDash val="solid"/>
+              <a:round/>
+              <a:headEnd type="triangle" w="med" len="med"/>
+              <a:tailEnd type="triangle" w="med" len="med"/>
+            </a:ln>
+          </p:spPr>
+        </p:cxnSp>
+        <p:cxnSp>
+          <p:nvCxnSpPr>
+            <p:cNvPr id="187" name="Google Shape;187;p18"/>
+            <p:cNvCxnSpPr>
+              <a:cxnSpLocks/>
+              <a:stCxn id="95" idx="0"/>
+              <a:endCxn id="169" idx="2"/>
+            </p:cNvCxnSpPr>
+            <p:nvPr/>
+          </p:nvCxnSpPr>
+          <p:spPr>
+            <a:xfrm flipH="1" flipV="1">
+              <a:off x="6415326" y="2074358"/>
+              <a:ext cx="29545" cy="1100697"/>
+            </a:xfrm>
+            <a:prstGeom prst="straightConnector1">
+              <a:avLst/>
+            </a:prstGeom>
+            <a:noFill/>
+            <a:ln w="28575" cap="flat" cmpd="sng">
+              <a:solidFill>
+                <a:schemeClr val="dk2"/>
+              </a:solidFill>
+              <a:prstDash val="solid"/>
+              <a:round/>
+              <a:headEnd type="triangle" w="med" len="med"/>
+              <a:tailEnd type="triangle" w="med" len="med"/>
+            </a:ln>
+          </p:spPr>
+        </p:cxnSp>
+        <p:cxnSp>
+          <p:nvCxnSpPr>
+            <p:cNvPr id="188" name="Google Shape;188;p18"/>
+            <p:cNvCxnSpPr>
+              <a:cxnSpLocks/>
+              <a:stCxn id="102" idx="0"/>
+            </p:cNvCxnSpPr>
+            <p:nvPr/>
+          </p:nvCxnSpPr>
+          <p:spPr>
+            <a:xfrm flipH="1" flipV="1">
+              <a:off x="6707100" y="2071308"/>
+              <a:ext cx="1088256" cy="1097648"/>
+            </a:xfrm>
+            <a:prstGeom prst="straightConnector1">
+              <a:avLst/>
+            </a:prstGeom>
+            <a:noFill/>
+            <a:ln w="28575" cap="flat" cmpd="sng">
+              <a:solidFill>
+                <a:schemeClr val="dk2"/>
+              </a:solidFill>
+              <a:prstDash val="solid"/>
+              <a:round/>
+              <a:headEnd type="triangle" w="med" len="med"/>
+              <a:tailEnd type="triangle" w="med" len="med"/>
+            </a:ln>
+          </p:spPr>
+        </p:cxnSp>
+        <p:cxnSp>
+          <p:nvCxnSpPr>
+            <p:cNvPr id="189" name="Google Shape;189;p18"/>
+            <p:cNvCxnSpPr>
+              <a:cxnSpLocks/>
+              <a:stCxn id="169" idx="0"/>
+              <a:endCxn id="173" idx="2"/>
+            </p:cNvCxnSpPr>
+            <p:nvPr/>
+          </p:nvCxnSpPr>
+          <p:spPr>
+            <a:xfrm flipH="1" flipV="1">
+              <a:off x="6410594" y="1029797"/>
+              <a:ext cx="4732" cy="314361"/>
+            </a:xfrm>
+            <a:prstGeom prst="straightConnector1">
+              <a:avLst/>
+            </a:prstGeom>
+            <a:noFill/>
+            <a:ln w="28575" cap="flat" cmpd="sng">
+              <a:solidFill>
+                <a:schemeClr val="dk2"/>
+              </a:solidFill>
+              <a:prstDash val="solid"/>
+              <a:round/>
+              <a:headEnd type="triangle" w="med" len="med"/>
+              <a:tailEnd type="triangle" w="med" len="med"/>
+            </a:ln>
+          </p:spPr>
+        </p:cxnSp>
         <p:grpSp>
           <p:nvGrpSpPr>
-            <p:cNvPr id="174" name="Google Shape;174;p18"/>
+            <p:cNvPr id="36" name="Group 35">
+              <a:extLst>
+                <a:ext uri="{FF2B5EF4-FFF2-40B4-BE49-F238E27FC236}">
+                  <a16:creationId xmlns:a16="http://schemas.microsoft.com/office/drawing/2014/main" id="{66A0DF7B-7D2F-4BC7-952B-9739628B6B56}"/>
+                </a:ext>
+              </a:extLst>
+            </p:cNvPr>
             <p:cNvGrpSpPr/>
             <p:nvPr/>
           </p:nvGrpSpPr>
           <p:grpSpPr>
             <a:xfrm>
-              <a:off x="5213149" y="3334075"/>
-              <a:ext cx="571501" cy="435325"/>
-              <a:chOff x="805600" y="3842125"/>
-              <a:chExt cx="576400" cy="435325"/>
+              <a:off x="4510586" y="3175056"/>
+              <a:ext cx="1167600" cy="1000275"/>
+              <a:chOff x="4510586" y="3175056"/>
+              <a:chExt cx="1167600" cy="1000275"/>
             </a:xfrm>
           </p:grpSpPr>
+          <p:sp>
+            <p:nvSpPr>
+              <p:cNvPr id="166" name="Google Shape;166;p18"/>
+              <p:cNvSpPr/>
+              <p:nvPr/>
+            </p:nvSpPr>
+            <p:spPr>
+              <a:xfrm>
+                <a:off x="4510586" y="3175056"/>
+                <a:ext cx="1167600" cy="1000275"/>
+              </a:xfrm>
+              <a:prstGeom prst="roundRect">
+                <a:avLst>
+                  <a:gd name="adj" fmla="val 16667"/>
+                </a:avLst>
+              </a:prstGeom>
+              <a:solidFill>
+                <a:schemeClr val="lt2"/>
+              </a:solidFill>
+              <a:ln w="9525" cap="flat" cmpd="sng">
+                <a:solidFill>
+                  <a:schemeClr val="dk2"/>
+                </a:solidFill>
+                <a:prstDash val="solid"/>
+                <a:round/>
+                <a:headEnd type="none" w="sm" len="sm"/>
+                <a:tailEnd type="none" w="sm" len="sm"/>
+              </a:ln>
+            </p:spPr>
+            <p:txBody>
+              <a:bodyPr spcFirstLastPara="1" wrap="square" lIns="91425" tIns="91425" rIns="91425" bIns="91425" anchor="ctr" anchorCtr="0">
+                <a:noAutofit/>
+              </a:bodyPr>
+              <a:lstStyle/>
+              <a:p>
+                <a:pPr marL="0" lvl="0" indent="0" algn="l" rtl="0">
+                  <a:spcBef>
+                    <a:spcPts val="0"/>
+                  </a:spcBef>
+                  <a:spcAft>
+                    <a:spcPts val="0"/>
+                  </a:spcAft>
+                  <a:buNone/>
+                </a:pPr>
+                <a:endParaRPr lang="en-CA" sz="800" dirty="0"/>
+              </a:p>
+              <a:p>
+                <a:pPr marL="0" lvl="0" indent="0" algn="l" rtl="0">
+                  <a:spcBef>
+                    <a:spcPts val="0"/>
+                  </a:spcBef>
+                  <a:spcAft>
+                    <a:spcPts val="0"/>
+                  </a:spcAft>
+                  <a:buNone/>
+                </a:pPr>
+                <a:endParaRPr lang="en-CA" sz="800" dirty="0"/>
+              </a:p>
+              <a:p>
+                <a:pPr marL="0" lvl="0" indent="0" algn="l" rtl="0">
+                  <a:spcBef>
+                    <a:spcPts val="0"/>
+                  </a:spcBef>
+                  <a:spcAft>
+                    <a:spcPts val="0"/>
+                  </a:spcAft>
+                  <a:buNone/>
+                </a:pPr>
+                <a:endParaRPr lang="en-CA" sz="800" dirty="0"/>
+              </a:p>
+              <a:p>
+                <a:pPr marL="0" lvl="0" indent="0" algn="l" rtl="0">
+                  <a:spcBef>
+                    <a:spcPts val="0"/>
+                  </a:spcBef>
+                  <a:spcAft>
+                    <a:spcPts val="0"/>
+                  </a:spcAft>
+                  <a:buNone/>
+                </a:pPr>
+                <a:endParaRPr lang="en-CA" sz="800" dirty="0"/>
+              </a:p>
+              <a:p>
+                <a:pPr marL="0" lvl="0" indent="0" algn="l" rtl="0">
+                  <a:spcBef>
+                    <a:spcPts val="0"/>
+                  </a:spcBef>
+                  <a:spcAft>
+                    <a:spcPts val="0"/>
+                  </a:spcAft>
+                  <a:buNone/>
+                </a:pPr>
+                <a:endParaRPr lang="en-CA" sz="800" dirty="0"/>
+              </a:p>
+              <a:p>
+                <a:pPr marL="0" lvl="0" indent="0" algn="l" rtl="0">
+                  <a:spcBef>
+                    <a:spcPts val="0"/>
+                  </a:spcBef>
+                  <a:spcAft>
+                    <a:spcPts val="0"/>
+                  </a:spcAft>
+                  <a:buNone/>
+                </a:pPr>
+                <a:endParaRPr lang="en-CA" sz="800" dirty="0"/>
+              </a:p>
+              <a:p>
+                <a:pPr marL="0" lvl="0" indent="0" algn="l" rtl="0">
+                  <a:spcBef>
+                    <a:spcPts val="0"/>
+                  </a:spcBef>
+                  <a:spcAft>
+                    <a:spcPts val="0"/>
+                  </a:spcAft>
+                  <a:buNone/>
+                </a:pPr>
+                <a:r>
+                  <a:rPr lang="en-CA" sz="1200" dirty="0"/>
+                  <a:t>Container 1</a:t>
+                </a:r>
+                <a:endParaRPr sz="1200" dirty="0"/>
+              </a:p>
+            </p:txBody>
+          </p:sp>
           <p:sp>
             <p:nvSpPr>
               <p:cNvPr id="175" name="Google Shape;175;p18"/>
@@ -8095,8 +8032,8 @@
             </p:nvSpPr>
             <p:spPr>
               <a:xfrm>
-                <a:off x="805600" y="3842125"/>
-                <a:ext cx="247800" cy="173400"/>
+                <a:off x="4615846" y="3349162"/>
+                <a:ext cx="367486" cy="167134"/>
               </a:xfrm>
               <a:prstGeom prst="rect">
                 <a:avLst/>
@@ -8129,7 +8066,15 @@
                   </a:spcAft>
                   <a:buNone/>
                 </a:pPr>
-                <a:endParaRPr>
+                <a:r>
+                  <a:rPr lang="en-CA" sz="1000" dirty="0">
+                    <a:highlight>
+                      <a:srgbClr val="FFFF00"/>
+                    </a:highlight>
+                  </a:rPr>
+                  <a:t>s1</a:t>
+                </a:r>
+                <a:endParaRPr sz="1000" dirty="0">
                   <a:highlight>
                     <a:srgbClr val="FFFF00"/>
                   </a:highlight>
@@ -8139,14 +8084,20 @@
           </p:sp>
           <p:sp>
             <p:nvSpPr>
-              <p:cNvPr id="176" name="Google Shape;176;p18"/>
+              <p:cNvPr id="88" name="Google Shape;175;p18">
+                <a:extLst>
+                  <a:ext uri="{FF2B5EF4-FFF2-40B4-BE49-F238E27FC236}">
+                    <a16:creationId xmlns:a16="http://schemas.microsoft.com/office/drawing/2014/main" id="{F4605A62-51B1-442A-B1F3-F4E3EA928539}"/>
+                  </a:ext>
+                </a:extLst>
+              </p:cNvPr>
               <p:cNvSpPr/>
               <p:nvPr/>
             </p:nvSpPr>
             <p:spPr>
               <a:xfrm>
-                <a:off x="1134200" y="3842125"/>
-                <a:ext cx="247800" cy="173400"/>
+                <a:off x="5099898" y="3345970"/>
+                <a:ext cx="367486" cy="167134"/>
               </a:xfrm>
               <a:prstGeom prst="rect">
                 <a:avLst/>
@@ -8179,7 +8130,15 @@
                   </a:spcAft>
                   <a:buNone/>
                 </a:pPr>
-                <a:endParaRPr>
+                <a:r>
+                  <a:rPr lang="en-CA" sz="1000" dirty="0">
+                    <a:highlight>
+                      <a:srgbClr val="FFFF00"/>
+                    </a:highlight>
+                  </a:rPr>
+                  <a:t>s2</a:t>
+                </a:r>
+                <a:endParaRPr sz="1000" dirty="0">
                   <a:highlight>
                     <a:srgbClr val="FFFF00"/>
                   </a:highlight>
@@ -8189,14 +8148,20 @@
           </p:sp>
           <p:sp>
             <p:nvSpPr>
-              <p:cNvPr id="177" name="Google Shape;177;p18"/>
+              <p:cNvPr id="89" name="Google Shape;175;p18">
+                <a:extLst>
+                  <a:ext uri="{FF2B5EF4-FFF2-40B4-BE49-F238E27FC236}">
+                    <a16:creationId xmlns:a16="http://schemas.microsoft.com/office/drawing/2014/main" id="{E08169E7-296B-4AFB-B2CF-28CA5E560A38}"/>
+                  </a:ext>
+                </a:extLst>
+              </p:cNvPr>
               <p:cNvSpPr/>
               <p:nvPr/>
             </p:nvSpPr>
             <p:spPr>
               <a:xfrm>
-                <a:off x="970400" y="4104050"/>
-                <a:ext cx="247800" cy="173400"/>
+                <a:off x="4910643" y="3619354"/>
+                <a:ext cx="367486" cy="167134"/>
               </a:xfrm>
               <a:prstGeom prst="rect">
                 <a:avLst/>
@@ -8229,7 +8194,15 @@
                   </a:spcAft>
                   <a:buNone/>
                 </a:pPr>
-                <a:endParaRPr>
+                <a:r>
+                  <a:rPr lang="en-CA" sz="1000" dirty="0">
+                    <a:highlight>
+                      <a:srgbClr val="FFFF00"/>
+                    </a:highlight>
+                  </a:rPr>
+                  <a:t>s3</a:t>
+                </a:r>
+                <a:endParaRPr sz="1000" dirty="0">
                   <a:highlight>
                     <a:srgbClr val="FFFF00"/>
                   </a:highlight>
@@ -8240,28 +8213,170 @@
         </p:grpSp>
         <p:grpSp>
           <p:nvGrpSpPr>
-            <p:cNvPr id="178" name="Google Shape;178;p18"/>
+            <p:cNvPr id="94" name="Group 93">
+              <a:extLst>
+                <a:ext uri="{FF2B5EF4-FFF2-40B4-BE49-F238E27FC236}">
+                  <a16:creationId xmlns:a16="http://schemas.microsoft.com/office/drawing/2014/main" id="{DEDC5305-B13E-4D7D-B166-A3EC49E3212E}"/>
+                </a:ext>
+              </a:extLst>
+            </p:cNvPr>
             <p:cNvGrpSpPr/>
             <p:nvPr/>
           </p:nvGrpSpPr>
           <p:grpSpPr>
             <a:xfrm>
-              <a:off x="6482277" y="3334075"/>
-              <a:ext cx="571501" cy="435325"/>
-              <a:chOff x="805600" y="3842125"/>
-              <a:chExt cx="576400" cy="435325"/>
+              <a:off x="5861071" y="3175055"/>
+              <a:ext cx="1167600" cy="1000275"/>
+              <a:chOff x="4510586" y="3147328"/>
+              <a:chExt cx="1167600" cy="1000275"/>
             </a:xfrm>
           </p:grpSpPr>
           <p:sp>
             <p:nvSpPr>
-              <p:cNvPr id="179" name="Google Shape;179;p18"/>
+              <p:cNvPr id="95" name="Google Shape;166;p18">
+                <a:extLst>
+                  <a:ext uri="{FF2B5EF4-FFF2-40B4-BE49-F238E27FC236}">
+                    <a16:creationId xmlns:a16="http://schemas.microsoft.com/office/drawing/2014/main" id="{2A06378F-86F8-4BC2-AE9F-E1008A0A6785}"/>
+                  </a:ext>
+                </a:extLst>
+              </p:cNvPr>
               <p:cNvSpPr/>
               <p:nvPr/>
             </p:nvSpPr>
             <p:spPr>
               <a:xfrm>
-                <a:off x="805600" y="3842125"/>
-                <a:ext cx="247800" cy="173400"/>
+                <a:off x="4510586" y="3147328"/>
+                <a:ext cx="1167600" cy="1000275"/>
+              </a:xfrm>
+              <a:prstGeom prst="roundRect">
+                <a:avLst>
+                  <a:gd name="adj" fmla="val 16667"/>
+                </a:avLst>
+              </a:prstGeom>
+              <a:solidFill>
+                <a:schemeClr val="lt2"/>
+              </a:solidFill>
+              <a:ln w="9525" cap="flat" cmpd="sng">
+                <a:solidFill>
+                  <a:schemeClr val="dk2"/>
+                </a:solidFill>
+                <a:prstDash val="solid"/>
+                <a:round/>
+                <a:headEnd type="none" w="sm" len="sm"/>
+                <a:tailEnd type="none" w="sm" len="sm"/>
+              </a:ln>
+            </p:spPr>
+            <p:txBody>
+              <a:bodyPr spcFirstLastPara="1" wrap="square" lIns="91425" tIns="91425" rIns="91425" bIns="91425" anchor="ctr" anchorCtr="0">
+                <a:noAutofit/>
+              </a:bodyPr>
+              <a:lstStyle/>
+              <a:p>
+                <a:pPr marL="0" lvl="0" indent="0" algn="l" rtl="0">
+                  <a:spcBef>
+                    <a:spcPts val="0"/>
+                  </a:spcBef>
+                  <a:spcAft>
+                    <a:spcPts val="0"/>
+                  </a:spcAft>
+                  <a:buNone/>
+                </a:pPr>
+                <a:endParaRPr lang="en-CA" sz="800" dirty="0"/>
+              </a:p>
+              <a:p>
+                <a:pPr marL="0" lvl="0" indent="0" algn="l" rtl="0">
+                  <a:spcBef>
+                    <a:spcPts val="0"/>
+                  </a:spcBef>
+                  <a:spcAft>
+                    <a:spcPts val="0"/>
+                  </a:spcAft>
+                  <a:buNone/>
+                </a:pPr>
+                <a:endParaRPr lang="en-CA" sz="800" dirty="0"/>
+              </a:p>
+              <a:p>
+                <a:pPr marL="0" lvl="0" indent="0" algn="l" rtl="0">
+                  <a:spcBef>
+                    <a:spcPts val="0"/>
+                  </a:spcBef>
+                  <a:spcAft>
+                    <a:spcPts val="0"/>
+                  </a:spcAft>
+                  <a:buNone/>
+                </a:pPr>
+                <a:endParaRPr lang="en-CA" sz="800" dirty="0"/>
+              </a:p>
+              <a:p>
+                <a:pPr marL="0" lvl="0" indent="0" algn="l" rtl="0">
+                  <a:spcBef>
+                    <a:spcPts val="0"/>
+                  </a:spcBef>
+                  <a:spcAft>
+                    <a:spcPts val="0"/>
+                  </a:spcAft>
+                  <a:buNone/>
+                </a:pPr>
+                <a:endParaRPr lang="en-CA" sz="800" dirty="0"/>
+              </a:p>
+              <a:p>
+                <a:pPr marL="0" lvl="0" indent="0" algn="l" rtl="0">
+                  <a:spcBef>
+                    <a:spcPts val="0"/>
+                  </a:spcBef>
+                  <a:spcAft>
+                    <a:spcPts val="0"/>
+                  </a:spcAft>
+                  <a:buNone/>
+                </a:pPr>
+                <a:endParaRPr lang="en-CA" sz="800" dirty="0"/>
+              </a:p>
+              <a:p>
+                <a:pPr marL="0" lvl="0" indent="0" algn="l" rtl="0">
+                  <a:spcBef>
+                    <a:spcPts val="0"/>
+                  </a:spcBef>
+                  <a:spcAft>
+                    <a:spcPts val="0"/>
+                  </a:spcAft>
+                  <a:buNone/>
+                </a:pPr>
+                <a:endParaRPr lang="en-CA" sz="800" dirty="0"/>
+              </a:p>
+              <a:p>
+                <a:pPr marL="0" lvl="0" indent="0" algn="l" rtl="0">
+                  <a:spcBef>
+                    <a:spcPts val="0"/>
+                  </a:spcBef>
+                  <a:spcAft>
+                    <a:spcPts val="0"/>
+                  </a:spcAft>
+                  <a:buNone/>
+                </a:pPr>
+                <a:r>
+                  <a:rPr lang="en-CA" sz="1200" dirty="0"/>
+                  <a:t>Container 2</a:t>
+                </a:r>
+                <a:endParaRPr sz="1200" dirty="0"/>
+              </a:p>
+            </p:txBody>
+          </p:sp>
+          <p:sp>
+            <p:nvSpPr>
+              <p:cNvPr id="96" name="Google Shape;175;p18">
+                <a:extLst>
+                  <a:ext uri="{FF2B5EF4-FFF2-40B4-BE49-F238E27FC236}">
+                    <a16:creationId xmlns:a16="http://schemas.microsoft.com/office/drawing/2014/main" id="{C45FA5F5-639C-483A-9A27-DC747CF4B8E1}"/>
+                  </a:ext>
+                </a:extLst>
+              </p:cNvPr>
+              <p:cNvSpPr/>
+              <p:nvPr/>
+            </p:nvSpPr>
+            <p:spPr>
+              <a:xfrm>
+                <a:off x="4615846" y="3349162"/>
+                <a:ext cx="367486" cy="167134"/>
               </a:xfrm>
               <a:prstGeom prst="rect">
                 <a:avLst/>
@@ -8294,20 +8409,38 @@
                   </a:spcAft>
                   <a:buNone/>
                 </a:pPr>
-                <a:endParaRPr/>
+                <a:r>
+                  <a:rPr lang="en-CA" sz="1000" dirty="0">
+                    <a:highlight>
+                      <a:srgbClr val="FFFF00"/>
+                    </a:highlight>
+                  </a:rPr>
+                  <a:t>s1</a:t>
+                </a:r>
+                <a:endParaRPr sz="1000" dirty="0">
+                  <a:highlight>
+                    <a:srgbClr val="FFFF00"/>
+                  </a:highlight>
+                </a:endParaRPr>
               </a:p>
             </p:txBody>
           </p:sp>
           <p:sp>
             <p:nvSpPr>
-              <p:cNvPr id="180" name="Google Shape;180;p18"/>
+              <p:cNvPr id="97" name="Google Shape;175;p18">
+                <a:extLst>
+                  <a:ext uri="{FF2B5EF4-FFF2-40B4-BE49-F238E27FC236}">
+                    <a16:creationId xmlns:a16="http://schemas.microsoft.com/office/drawing/2014/main" id="{9D674B7F-F0BE-403B-AB2C-558FDC6C240F}"/>
+                  </a:ext>
+                </a:extLst>
+              </p:cNvPr>
               <p:cNvSpPr/>
               <p:nvPr/>
             </p:nvSpPr>
             <p:spPr>
               <a:xfrm>
-                <a:off x="1134200" y="3842125"/>
-                <a:ext cx="247800" cy="173400"/>
+                <a:off x="5099898" y="3345970"/>
+                <a:ext cx="367486" cy="167134"/>
               </a:xfrm>
               <a:prstGeom prst="rect">
                 <a:avLst/>
@@ -8340,20 +8473,38 @@
                   </a:spcAft>
                   <a:buNone/>
                 </a:pPr>
-                <a:endParaRPr/>
+                <a:r>
+                  <a:rPr lang="en-CA" sz="1000" dirty="0">
+                    <a:highlight>
+                      <a:srgbClr val="FFFF00"/>
+                    </a:highlight>
+                  </a:rPr>
+                  <a:t>s2</a:t>
+                </a:r>
+                <a:endParaRPr sz="1000" dirty="0">
+                  <a:highlight>
+                    <a:srgbClr val="FFFF00"/>
+                  </a:highlight>
+                </a:endParaRPr>
               </a:p>
             </p:txBody>
           </p:sp>
           <p:sp>
             <p:nvSpPr>
-              <p:cNvPr id="181" name="Google Shape;181;p18"/>
+              <p:cNvPr id="98" name="Google Shape;175;p18">
+                <a:extLst>
+                  <a:ext uri="{FF2B5EF4-FFF2-40B4-BE49-F238E27FC236}">
+                    <a16:creationId xmlns:a16="http://schemas.microsoft.com/office/drawing/2014/main" id="{C0679681-391F-45BD-B188-B2185982DCC5}"/>
+                  </a:ext>
+                </a:extLst>
+              </p:cNvPr>
               <p:cNvSpPr/>
               <p:nvPr/>
             </p:nvSpPr>
             <p:spPr>
               <a:xfrm>
-                <a:off x="970400" y="4104050"/>
-                <a:ext cx="247800" cy="173400"/>
+                <a:off x="4910643" y="3619354"/>
+                <a:ext cx="367486" cy="167134"/>
               </a:xfrm>
               <a:prstGeom prst="rect">
                 <a:avLst/>
@@ -8386,35 +8537,189 @@
                   </a:spcAft>
                   <a:buNone/>
                 </a:pPr>
-                <a:endParaRPr/>
+                <a:r>
+                  <a:rPr lang="en-CA" sz="1000" dirty="0">
+                    <a:highlight>
+                      <a:srgbClr val="FFFF00"/>
+                    </a:highlight>
+                  </a:rPr>
+                  <a:t>s3</a:t>
+                </a:r>
+                <a:endParaRPr sz="1000" dirty="0">
+                  <a:highlight>
+                    <a:srgbClr val="FFFF00"/>
+                  </a:highlight>
+                </a:endParaRPr>
               </a:p>
             </p:txBody>
           </p:sp>
         </p:grpSp>
         <p:grpSp>
           <p:nvGrpSpPr>
-            <p:cNvPr id="182" name="Google Shape;182;p18"/>
+            <p:cNvPr id="101" name="Group 100">
+              <a:extLst>
+                <a:ext uri="{FF2B5EF4-FFF2-40B4-BE49-F238E27FC236}">
+                  <a16:creationId xmlns:a16="http://schemas.microsoft.com/office/drawing/2014/main" id="{07E7A03D-0F61-4986-A109-CF398D5A5521}"/>
+                </a:ext>
+              </a:extLst>
+            </p:cNvPr>
             <p:cNvGrpSpPr/>
             <p:nvPr/>
           </p:nvGrpSpPr>
           <p:grpSpPr>
             <a:xfrm>
-              <a:off x="7751429" y="3334075"/>
-              <a:ext cx="571501" cy="435325"/>
-              <a:chOff x="805600" y="3842125"/>
-              <a:chExt cx="576400" cy="435325"/>
+              <a:off x="7211556" y="3168956"/>
+              <a:ext cx="1167600" cy="1000275"/>
+              <a:chOff x="4510586" y="3147328"/>
+              <a:chExt cx="1167600" cy="1000275"/>
             </a:xfrm>
           </p:grpSpPr>
           <p:sp>
             <p:nvSpPr>
-              <p:cNvPr id="183" name="Google Shape;183;p18"/>
+              <p:cNvPr id="102" name="Google Shape;166;p18">
+                <a:extLst>
+                  <a:ext uri="{FF2B5EF4-FFF2-40B4-BE49-F238E27FC236}">
+                    <a16:creationId xmlns:a16="http://schemas.microsoft.com/office/drawing/2014/main" id="{A378F153-F609-4478-9757-6D5DF15FF90A}"/>
+                  </a:ext>
+                </a:extLst>
+              </p:cNvPr>
               <p:cNvSpPr/>
               <p:nvPr/>
             </p:nvSpPr>
             <p:spPr>
               <a:xfrm>
-                <a:off x="805600" y="3842125"/>
-                <a:ext cx="247800" cy="173400"/>
+                <a:off x="4510586" y="3147328"/>
+                <a:ext cx="1167600" cy="1000275"/>
+              </a:xfrm>
+              <a:prstGeom prst="roundRect">
+                <a:avLst>
+                  <a:gd name="adj" fmla="val 16667"/>
+                </a:avLst>
+              </a:prstGeom>
+              <a:solidFill>
+                <a:schemeClr val="lt2"/>
+              </a:solidFill>
+              <a:ln w="9525" cap="flat" cmpd="sng">
+                <a:solidFill>
+                  <a:schemeClr val="dk2"/>
+                </a:solidFill>
+                <a:prstDash val="solid"/>
+                <a:round/>
+                <a:headEnd type="none" w="sm" len="sm"/>
+                <a:tailEnd type="none" w="sm" len="sm"/>
+              </a:ln>
+            </p:spPr>
+            <p:txBody>
+              <a:bodyPr spcFirstLastPara="1" wrap="square" lIns="91425" tIns="91425" rIns="91425" bIns="91425" anchor="ctr" anchorCtr="0">
+                <a:noAutofit/>
+              </a:bodyPr>
+              <a:lstStyle/>
+              <a:p>
+                <a:pPr marL="0" lvl="0" indent="0" algn="l" rtl="0">
+                  <a:spcBef>
+                    <a:spcPts val="0"/>
+                  </a:spcBef>
+                  <a:spcAft>
+                    <a:spcPts val="0"/>
+                  </a:spcAft>
+                  <a:buNone/>
+                </a:pPr>
+                <a:endParaRPr lang="en-CA" sz="800" dirty="0"/>
+              </a:p>
+              <a:p>
+                <a:pPr marL="0" lvl="0" indent="0" algn="l" rtl="0">
+                  <a:spcBef>
+                    <a:spcPts val="0"/>
+                  </a:spcBef>
+                  <a:spcAft>
+                    <a:spcPts val="0"/>
+                  </a:spcAft>
+                  <a:buNone/>
+                </a:pPr>
+                <a:endParaRPr lang="en-CA" sz="800" dirty="0"/>
+              </a:p>
+              <a:p>
+                <a:pPr marL="0" lvl="0" indent="0" algn="l" rtl="0">
+                  <a:spcBef>
+                    <a:spcPts val="0"/>
+                  </a:spcBef>
+                  <a:spcAft>
+                    <a:spcPts val="0"/>
+                  </a:spcAft>
+                  <a:buNone/>
+                </a:pPr>
+                <a:endParaRPr lang="en-CA" sz="800" dirty="0"/>
+              </a:p>
+              <a:p>
+                <a:pPr marL="0" lvl="0" indent="0" algn="l" rtl="0">
+                  <a:spcBef>
+                    <a:spcPts val="0"/>
+                  </a:spcBef>
+                  <a:spcAft>
+                    <a:spcPts val="0"/>
+                  </a:spcAft>
+                  <a:buNone/>
+                </a:pPr>
+                <a:endParaRPr lang="en-CA" sz="800" dirty="0"/>
+              </a:p>
+              <a:p>
+                <a:pPr marL="0" lvl="0" indent="0" algn="l" rtl="0">
+                  <a:spcBef>
+                    <a:spcPts val="0"/>
+                  </a:spcBef>
+                  <a:spcAft>
+                    <a:spcPts val="0"/>
+                  </a:spcAft>
+                  <a:buNone/>
+                </a:pPr>
+                <a:endParaRPr lang="en-CA" sz="800" dirty="0"/>
+              </a:p>
+              <a:p>
+                <a:pPr marL="0" lvl="0" indent="0" algn="l" rtl="0">
+                  <a:spcBef>
+                    <a:spcPts val="0"/>
+                  </a:spcBef>
+                  <a:spcAft>
+                    <a:spcPts val="0"/>
+                  </a:spcAft>
+                  <a:buNone/>
+                </a:pPr>
+                <a:endParaRPr lang="en-CA" sz="800" dirty="0"/>
+              </a:p>
+              <a:p>
+                <a:pPr marL="0" lvl="0" indent="0" algn="l" rtl="0">
+                  <a:spcBef>
+                    <a:spcPts val="0"/>
+                  </a:spcBef>
+                  <a:spcAft>
+                    <a:spcPts val="0"/>
+                  </a:spcAft>
+                  <a:buNone/>
+                </a:pPr>
+                <a:r>
+                  <a:rPr lang="en-CA" sz="1200" dirty="0"/>
+                  <a:t>Container 3</a:t>
+                </a:r>
+                <a:endParaRPr sz="1200" dirty="0"/>
+              </a:p>
+            </p:txBody>
+          </p:sp>
+          <p:sp>
+            <p:nvSpPr>
+              <p:cNvPr id="103" name="Google Shape;175;p18">
+                <a:extLst>
+                  <a:ext uri="{FF2B5EF4-FFF2-40B4-BE49-F238E27FC236}">
+                    <a16:creationId xmlns:a16="http://schemas.microsoft.com/office/drawing/2014/main" id="{96804E8D-375F-4453-B5BC-E43115C930D4}"/>
+                  </a:ext>
+                </a:extLst>
+              </p:cNvPr>
+              <p:cNvSpPr/>
+              <p:nvPr/>
+            </p:nvSpPr>
+            <p:spPr>
+              <a:xfrm>
+                <a:off x="4615846" y="3349162"/>
+                <a:ext cx="367486" cy="167134"/>
               </a:xfrm>
               <a:prstGeom prst="rect">
                 <a:avLst/>
@@ -8447,20 +8752,38 @@
                   </a:spcAft>
                   <a:buNone/>
                 </a:pPr>
-                <a:endParaRPr/>
+                <a:r>
+                  <a:rPr lang="en-CA" sz="1000" dirty="0">
+                    <a:highlight>
+                      <a:srgbClr val="FFFF00"/>
+                    </a:highlight>
+                  </a:rPr>
+                  <a:t>s1</a:t>
+                </a:r>
+                <a:endParaRPr sz="1000" dirty="0">
+                  <a:highlight>
+                    <a:srgbClr val="FFFF00"/>
+                  </a:highlight>
+                </a:endParaRPr>
               </a:p>
             </p:txBody>
           </p:sp>
           <p:sp>
             <p:nvSpPr>
-              <p:cNvPr id="184" name="Google Shape;184;p18"/>
+              <p:cNvPr id="104" name="Google Shape;175;p18">
+                <a:extLst>
+                  <a:ext uri="{FF2B5EF4-FFF2-40B4-BE49-F238E27FC236}">
+                    <a16:creationId xmlns:a16="http://schemas.microsoft.com/office/drawing/2014/main" id="{121F309F-68CC-4647-A13F-E4687BE5FF25}"/>
+                  </a:ext>
+                </a:extLst>
+              </p:cNvPr>
               <p:cNvSpPr/>
               <p:nvPr/>
             </p:nvSpPr>
             <p:spPr>
               <a:xfrm>
-                <a:off x="1134200" y="3842125"/>
-                <a:ext cx="247800" cy="173400"/>
+                <a:off x="5099898" y="3345970"/>
+                <a:ext cx="367486" cy="167134"/>
               </a:xfrm>
               <a:prstGeom prst="rect">
                 <a:avLst/>
@@ -8493,20 +8816,38 @@
                   </a:spcAft>
                   <a:buNone/>
                 </a:pPr>
-                <a:endParaRPr/>
+                <a:r>
+                  <a:rPr lang="en-CA" sz="1000" dirty="0">
+                    <a:highlight>
+                      <a:srgbClr val="FFFF00"/>
+                    </a:highlight>
+                  </a:rPr>
+                  <a:t>s2</a:t>
+                </a:r>
+                <a:endParaRPr sz="1000" dirty="0">
+                  <a:highlight>
+                    <a:srgbClr val="FFFF00"/>
+                  </a:highlight>
+                </a:endParaRPr>
               </a:p>
             </p:txBody>
           </p:sp>
           <p:sp>
             <p:nvSpPr>
-              <p:cNvPr id="185" name="Google Shape;185;p18"/>
+              <p:cNvPr id="105" name="Google Shape;175;p18">
+                <a:extLst>
+                  <a:ext uri="{FF2B5EF4-FFF2-40B4-BE49-F238E27FC236}">
+                    <a16:creationId xmlns:a16="http://schemas.microsoft.com/office/drawing/2014/main" id="{BEA757D7-0540-4025-BCB9-5535EC0EE8C8}"/>
+                  </a:ext>
+                </a:extLst>
+              </p:cNvPr>
               <p:cNvSpPr/>
               <p:nvPr/>
             </p:nvSpPr>
             <p:spPr>
               <a:xfrm>
-                <a:off x="970400" y="4104050"/>
-                <a:ext cx="247800" cy="173400"/>
+                <a:off x="4910643" y="3619354"/>
+                <a:ext cx="367486" cy="167134"/>
               </a:xfrm>
               <a:prstGeom prst="rect">
                 <a:avLst/>
@@ -8539,129 +8880,23 @@
                   </a:spcAft>
                   <a:buNone/>
                 </a:pPr>
-                <a:endParaRPr/>
+                <a:r>
+                  <a:rPr lang="en-CA" sz="1000" dirty="0">
+                    <a:highlight>
+                      <a:srgbClr val="FFFF00"/>
+                    </a:highlight>
+                  </a:rPr>
+                  <a:t>s3</a:t>
+                </a:r>
+                <a:endParaRPr sz="1000" dirty="0">
+                  <a:highlight>
+                    <a:srgbClr val="FFFF00"/>
+                  </a:highlight>
+                </a:endParaRPr>
               </a:p>
             </p:txBody>
           </p:sp>
         </p:grpSp>
-        <p:cxnSp>
-          <p:nvCxnSpPr>
-            <p:cNvPr id="186" name="Google Shape;186;p18"/>
-            <p:cNvCxnSpPr>
-              <a:cxnSpLocks/>
-              <a:stCxn id="166" idx="0"/>
-            </p:cNvCxnSpPr>
-            <p:nvPr/>
-          </p:nvCxnSpPr>
-          <p:spPr>
-            <a:xfrm flipV="1">
-              <a:off x="5691600" y="2705851"/>
-              <a:ext cx="356775" cy="547874"/>
-            </a:xfrm>
-            <a:prstGeom prst="straightConnector1">
-              <a:avLst/>
-            </a:prstGeom>
-            <a:noFill/>
-            <a:ln w="28575" cap="flat" cmpd="sng">
-              <a:solidFill>
-                <a:schemeClr val="dk2"/>
-              </a:solidFill>
-              <a:prstDash val="solid"/>
-              <a:round/>
-              <a:headEnd type="triangle" w="med" len="med"/>
-              <a:tailEnd type="triangle" w="med" len="med"/>
-            </a:ln>
-          </p:spPr>
-        </p:cxnSp>
-        <p:cxnSp>
-          <p:nvCxnSpPr>
-            <p:cNvPr id="187" name="Google Shape;187;p18"/>
-            <p:cNvCxnSpPr>
-              <a:cxnSpLocks/>
-              <a:stCxn id="167" idx="0"/>
-              <a:endCxn id="169" idx="2"/>
-            </p:cNvCxnSpPr>
-            <p:nvPr/>
-          </p:nvCxnSpPr>
-          <p:spPr>
-            <a:xfrm flipH="1" flipV="1">
-              <a:off x="6995716" y="2709925"/>
-              <a:ext cx="17654" cy="543788"/>
-            </a:xfrm>
-            <a:prstGeom prst="straightConnector1">
-              <a:avLst/>
-            </a:prstGeom>
-            <a:noFill/>
-            <a:ln w="28575" cap="flat" cmpd="sng">
-              <a:solidFill>
-                <a:schemeClr val="dk2"/>
-              </a:solidFill>
-              <a:prstDash val="solid"/>
-              <a:round/>
-              <a:headEnd type="triangle" w="med" len="med"/>
-              <a:tailEnd type="triangle" w="med" len="med"/>
-            </a:ln>
-          </p:spPr>
-        </p:cxnSp>
-        <p:cxnSp>
-          <p:nvCxnSpPr>
-            <p:cNvPr id="188" name="Google Shape;188;p18"/>
-            <p:cNvCxnSpPr>
-              <a:cxnSpLocks/>
-              <a:stCxn id="168" idx="0"/>
-            </p:cNvCxnSpPr>
-            <p:nvPr/>
-          </p:nvCxnSpPr>
-          <p:spPr>
-            <a:xfrm flipH="1" flipV="1">
-              <a:off x="7846475" y="2705851"/>
-              <a:ext cx="465095" cy="547874"/>
-            </a:xfrm>
-            <a:prstGeom prst="straightConnector1">
-              <a:avLst/>
-            </a:prstGeom>
-            <a:noFill/>
-            <a:ln w="28575" cap="flat" cmpd="sng">
-              <a:solidFill>
-                <a:schemeClr val="dk2"/>
-              </a:solidFill>
-              <a:prstDash val="solid"/>
-              <a:round/>
-              <a:headEnd type="triangle" w="med" len="med"/>
-              <a:tailEnd type="triangle" w="med" len="med"/>
-            </a:ln>
-          </p:spPr>
-        </p:cxnSp>
-        <p:cxnSp>
-          <p:nvCxnSpPr>
-            <p:cNvPr id="189" name="Google Shape;189;p18"/>
-            <p:cNvCxnSpPr>
-              <a:cxnSpLocks/>
-              <a:stCxn id="169" idx="0"/>
-              <a:endCxn id="173" idx="2"/>
-            </p:cNvCxnSpPr>
-            <p:nvPr/>
-          </p:nvCxnSpPr>
-          <p:spPr>
-            <a:xfrm flipH="1" flipV="1">
-              <a:off x="6869289" y="1644300"/>
-              <a:ext cx="126427" cy="335425"/>
-            </a:xfrm>
-            <a:prstGeom prst="straightConnector1">
-              <a:avLst/>
-            </a:prstGeom>
-            <a:noFill/>
-            <a:ln w="28575" cap="flat" cmpd="sng">
-              <a:solidFill>
-                <a:schemeClr val="dk2"/>
-              </a:solidFill>
-              <a:prstDash val="solid"/>
-              <a:round/>
-              <a:headEnd type="triangle" w="med" len="med"/>
-              <a:tailEnd type="triangle" w="med" len="med"/>
-            </a:ln>
-          </p:spPr>
-        </p:cxnSp>
       </p:grpSp>
     </p:spTree>
   </p:cSld>
